--- a/ITI/TF/Volume1/media/Figure_26.1-1.pptx
+++ b/ITI/TF/Volume1/media/Figure_26.1-1.pptx
@@ -104,6 +104,11 @@
       </a:defRPr>
     </a:lvl9pPr>
   </p:defaultTextStyle>
+  <p:extLst>
+    <p:ext uri="{EFAFB233-063F-42B5-8137-9DF3F51BA10A}">
+      <p15:sldGuideLst xmlns:p15="http://schemas.microsoft.com/office/powerpoint/2012/main"/>
+    </p:ext>
+  </p:extLst>
 </p:presentation>
 </file>
 
@@ -254,7 +259,7 @@
           <a:p>
             <a:fld id="{EB63562A-012D-1A4E-A597-645759CAB22B}" type="datetimeFigureOut">
               <a:rPr lang="en-US" smtClean="0"/>
-              <a:t>8/12/20</a:t>
+              <a:t>8/25/20</a:t>
             </a:fld>
             <a:endParaRPr lang="en-US"/>
           </a:p>
@@ -452,7 +457,7 @@
           <a:p>
             <a:fld id="{EB63562A-012D-1A4E-A597-645759CAB22B}" type="datetimeFigureOut">
               <a:rPr lang="en-US" smtClean="0"/>
-              <a:t>8/12/20</a:t>
+              <a:t>8/25/20</a:t>
             </a:fld>
             <a:endParaRPr lang="en-US"/>
           </a:p>
@@ -660,7 +665,7 @@
           <a:p>
             <a:fld id="{EB63562A-012D-1A4E-A597-645759CAB22B}" type="datetimeFigureOut">
               <a:rPr lang="en-US" smtClean="0"/>
-              <a:t>8/12/20</a:t>
+              <a:t>8/25/20</a:t>
             </a:fld>
             <a:endParaRPr lang="en-US"/>
           </a:p>
@@ -858,7 +863,7 @@
           <a:p>
             <a:fld id="{EB63562A-012D-1A4E-A597-645759CAB22B}" type="datetimeFigureOut">
               <a:rPr lang="en-US" smtClean="0"/>
-              <a:t>8/12/20</a:t>
+              <a:t>8/25/20</a:t>
             </a:fld>
             <a:endParaRPr lang="en-US"/>
           </a:p>
@@ -1133,7 +1138,7 @@
           <a:p>
             <a:fld id="{EB63562A-012D-1A4E-A597-645759CAB22B}" type="datetimeFigureOut">
               <a:rPr lang="en-US" smtClean="0"/>
-              <a:t>8/12/20</a:t>
+              <a:t>8/25/20</a:t>
             </a:fld>
             <a:endParaRPr lang="en-US"/>
           </a:p>
@@ -1398,7 +1403,7 @@
           <a:p>
             <a:fld id="{EB63562A-012D-1A4E-A597-645759CAB22B}" type="datetimeFigureOut">
               <a:rPr lang="en-US" smtClean="0"/>
-              <a:t>8/12/20</a:t>
+              <a:t>8/25/20</a:t>
             </a:fld>
             <a:endParaRPr lang="en-US"/>
           </a:p>
@@ -1810,7 +1815,7 @@
           <a:p>
             <a:fld id="{EB63562A-012D-1A4E-A597-645759CAB22B}" type="datetimeFigureOut">
               <a:rPr lang="en-US" smtClean="0"/>
-              <a:t>8/12/20</a:t>
+              <a:t>8/25/20</a:t>
             </a:fld>
             <a:endParaRPr lang="en-US"/>
           </a:p>
@@ -1951,7 +1956,7 @@
           <a:p>
             <a:fld id="{EB63562A-012D-1A4E-A597-645759CAB22B}" type="datetimeFigureOut">
               <a:rPr lang="en-US" smtClean="0"/>
-              <a:t>8/12/20</a:t>
+              <a:t>8/25/20</a:t>
             </a:fld>
             <a:endParaRPr lang="en-US"/>
           </a:p>
@@ -2064,7 +2069,7 @@
           <a:p>
             <a:fld id="{EB63562A-012D-1A4E-A597-645759CAB22B}" type="datetimeFigureOut">
               <a:rPr lang="en-US" smtClean="0"/>
-              <a:t>8/12/20</a:t>
+              <a:t>8/25/20</a:t>
             </a:fld>
             <a:endParaRPr lang="en-US"/>
           </a:p>
@@ -2375,7 +2380,7 @@
           <a:p>
             <a:fld id="{EB63562A-012D-1A4E-A597-645759CAB22B}" type="datetimeFigureOut">
               <a:rPr lang="en-US" smtClean="0"/>
-              <a:t>8/12/20</a:t>
+              <a:t>8/25/20</a:t>
             </a:fld>
             <a:endParaRPr lang="en-US"/>
           </a:p>
@@ -2663,7 +2668,7 @@
           <a:p>
             <a:fld id="{EB63562A-012D-1A4E-A597-645759CAB22B}" type="datetimeFigureOut">
               <a:rPr lang="en-US" smtClean="0"/>
-              <a:t>8/12/20</a:t>
+              <a:t>8/25/20</a:t>
             </a:fld>
             <a:endParaRPr lang="en-US"/>
           </a:p>
@@ -2904,7 +2909,7 @@
           <a:p>
             <a:fld id="{EB63562A-012D-1A4E-A597-645759CAB22B}" type="datetimeFigureOut">
               <a:rPr lang="en-US" smtClean="0"/>
-              <a:t>8/12/20</a:t>
+              <a:t>8/25/20</a:t>
             </a:fld>
             <a:endParaRPr lang="en-US"/>
           </a:p>
@@ -3407,7 +3412,7 @@
         </p:nvSpPr>
         <p:spPr bwMode="auto">
           <a:xfrm>
-            <a:off x="2971800" y="1143000"/>
+            <a:off x="3691890" y="1883535"/>
             <a:ext cx="1143000" cy="457200"/>
           </a:xfrm>
           <a:prstGeom prst="rect">
@@ -3493,7 +3498,7 @@
         </p:nvSpPr>
         <p:spPr bwMode="auto">
           <a:xfrm>
-            <a:off x="914400" y="2286000"/>
+            <a:off x="1643943" y="2999105"/>
             <a:ext cx="1143000" cy="457200"/>
           </a:xfrm>
           <a:prstGeom prst="rect">
@@ -3579,7 +3584,7 @@
         </p:nvSpPr>
         <p:spPr bwMode="auto">
           <a:xfrm>
-            <a:off x="914400" y="457200"/>
+            <a:off x="1609090" y="703446"/>
             <a:ext cx="1143000" cy="457200"/>
           </a:xfrm>
           <a:prstGeom prst="rect">
@@ -3707,7 +3712,7 @@
         </p:nvSpPr>
         <p:spPr bwMode="auto">
           <a:xfrm>
-            <a:off x="914400" y="1143000"/>
+            <a:off x="1609090" y="1848118"/>
             <a:ext cx="1143000" cy="457200"/>
           </a:xfrm>
           <a:prstGeom prst="rect">
@@ -3835,7 +3840,7 @@
         </p:nvSpPr>
         <p:spPr bwMode="auto">
           <a:xfrm>
-            <a:off x="1558925" y="650875"/>
+            <a:off x="2215443" y="1335766"/>
             <a:ext cx="914400" cy="457200"/>
           </a:xfrm>
           <a:prstGeom prst="rect">
@@ -3890,22 +3895,7 @@
               <a:tabLst/>
             </a:pPr>
             <a:r>
-              <a:rPr kumimoji="0" lang="it-IT" altLang="en-US" sz="500" b="0" i="0" u="none" strike="noStrike" cap="none" normalizeH="0" baseline="0">
-                <a:ln>
-                  <a:noFill/>
-                </a:ln>
-                <a:solidFill>
-                  <a:schemeClr val="tx1"/>
-                </a:solidFill>
-                <a:effectLst/>
-                <a:latin typeface="Wingdings" pitchFamily="2" charset="2"/>
-                <a:ea typeface="MS Mincho" panose="02020609040205080304" pitchFamily="49" charset="-128"/>
-                <a:cs typeface="Times New Roman" panose="02020603050405020304" pitchFamily="18" charset="0"/>
-              </a:rPr>
-              <a:t>ê</a:t>
-            </a:r>
-            <a:r>
-              <a:rPr kumimoji="0" lang="it-IT" altLang="en-US" sz="600" b="0" i="0" u="none" strike="noStrike" cap="none" normalizeH="0" baseline="0">
+              <a:rPr kumimoji="0" lang="it-IT" altLang="en-US" sz="600" b="0" i="0" u="none" strike="noStrike" cap="none" normalizeH="0" baseline="0" dirty="0" err="1">
                 <a:ln>
                   <a:noFill/>
                 </a:ln>
@@ -3917,9 +3907,84 @@
                 <a:ea typeface="MS Mincho" panose="02020609040205080304" pitchFamily="49" charset="-128"/>
                 <a:cs typeface="Times New Roman" panose="02020603050405020304" pitchFamily="18" charset="0"/>
               </a:rPr>
-              <a:t>Document Metadata Publish [ITI-54]</a:t>
-            </a:r>
-            <a:endParaRPr kumimoji="0" lang="it-IT" altLang="en-US" sz="1800" b="0" i="0" u="none" strike="noStrike" cap="none" normalizeH="0" baseline="0">
+              <a:t>Document</a:t>
+            </a:r>
+            <a:r>
+              <a:rPr kumimoji="0" lang="it-IT" altLang="en-US" sz="600" b="0" i="0" u="none" strike="noStrike" cap="none" normalizeH="0" baseline="0" dirty="0">
+                <a:ln>
+                  <a:noFill/>
+                </a:ln>
+                <a:solidFill>
+                  <a:schemeClr val="tx1"/>
+                </a:solidFill>
+                <a:effectLst/>
+                <a:latin typeface="Cambria" panose="02040503050406030204" pitchFamily="18" charset="0"/>
+                <a:ea typeface="MS Mincho" panose="02020609040205080304" pitchFamily="49" charset="-128"/>
+                <a:cs typeface="Times New Roman" panose="02020603050405020304" pitchFamily="18" charset="0"/>
+              </a:rPr>
+              <a:t> </a:t>
+            </a:r>
+            <a:r>
+              <a:rPr kumimoji="0" lang="it-IT" altLang="en-US" sz="600" b="0" i="0" u="none" strike="noStrike" cap="none" normalizeH="0" baseline="0" dirty="0" err="1">
+                <a:ln>
+                  <a:noFill/>
+                </a:ln>
+                <a:solidFill>
+                  <a:schemeClr val="tx1"/>
+                </a:solidFill>
+                <a:effectLst/>
+                <a:latin typeface="Cambria" panose="02040503050406030204" pitchFamily="18" charset="0"/>
+                <a:ea typeface="MS Mincho" panose="02020609040205080304" pitchFamily="49" charset="-128"/>
+                <a:cs typeface="Times New Roman" panose="02020603050405020304" pitchFamily="18" charset="0"/>
+              </a:rPr>
+              <a:t>Metadata</a:t>
+            </a:r>
+            <a:r>
+              <a:rPr kumimoji="0" lang="it-IT" altLang="en-US" sz="600" b="0" i="0" u="none" strike="noStrike" cap="none" normalizeH="0" baseline="0" dirty="0">
+                <a:ln>
+                  <a:noFill/>
+                </a:ln>
+                <a:solidFill>
+                  <a:schemeClr val="tx1"/>
+                </a:solidFill>
+                <a:effectLst/>
+                <a:latin typeface="Cambria" panose="02040503050406030204" pitchFamily="18" charset="0"/>
+                <a:ea typeface="MS Mincho" panose="02020609040205080304" pitchFamily="49" charset="-128"/>
+                <a:cs typeface="Times New Roman" panose="02020603050405020304" pitchFamily="18" charset="0"/>
+              </a:rPr>
+              <a:t> </a:t>
+            </a:r>
+            <a:r>
+              <a:rPr kumimoji="0" lang="it-IT" altLang="en-US" sz="600" b="0" i="0" u="none" strike="noStrike" cap="none" normalizeH="0" baseline="0" dirty="0" err="1">
+                <a:ln>
+                  <a:noFill/>
+                </a:ln>
+                <a:solidFill>
+                  <a:schemeClr val="tx1"/>
+                </a:solidFill>
+                <a:effectLst/>
+                <a:latin typeface="Cambria" panose="02040503050406030204" pitchFamily="18" charset="0"/>
+                <a:ea typeface="MS Mincho" panose="02020609040205080304" pitchFamily="49" charset="-128"/>
+                <a:cs typeface="Times New Roman" panose="02020603050405020304" pitchFamily="18" charset="0"/>
+              </a:rPr>
+              <a:t>Publish</a:t>
+            </a:r>
+            <a:r>
+              <a:rPr kumimoji="0" lang="it-IT" altLang="en-US" sz="600" b="0" i="0" u="none" strike="noStrike" cap="none" normalizeH="0" baseline="0" dirty="0">
+                <a:ln>
+                  <a:noFill/>
+                </a:ln>
+                <a:solidFill>
+                  <a:schemeClr val="tx1"/>
+                </a:solidFill>
+                <a:effectLst/>
+                <a:latin typeface="Cambria" panose="02040503050406030204" pitchFamily="18" charset="0"/>
+                <a:ea typeface="MS Mincho" panose="02020609040205080304" pitchFamily="49" charset="-128"/>
+                <a:cs typeface="Times New Roman" panose="02020603050405020304" pitchFamily="18" charset="0"/>
+              </a:rPr>
+              <a:t> [ITI-54]</a:t>
+            </a:r>
+            <a:endParaRPr kumimoji="0" lang="it-IT" altLang="en-US" sz="1800" b="0" i="0" u="none" strike="noStrike" cap="none" normalizeH="0" baseline="0" dirty="0">
               <a:ln>
                 <a:noFill/>
               </a:ln>
@@ -3948,7 +4013,7 @@
         </p:nvSpPr>
         <p:spPr bwMode="auto">
           <a:xfrm>
-            <a:off x="1562100" y="1809750"/>
+            <a:off x="2236854" y="2541905"/>
             <a:ext cx="914400" cy="457200"/>
           </a:xfrm>
           <a:prstGeom prst="rect">
@@ -3986,24 +4051,16 @@
           </a:bodyPr>
           <a:lstStyle/>
           <a:p>
-            <a:pPr marL="0" marR="0" lvl="0" indent="0" algn="l" defTabSz="914400" rtl="0" eaLnBrk="0" fontAlgn="base" latinLnBrk="0" hangingPunct="0">
-              <a:lnSpc>
-                <a:spcPct val="100000"/>
-              </a:lnSpc>
+            <a:pPr lvl="0" eaLnBrk="0" fontAlgn="base" hangingPunct="0">
               <a:spcBef>
                 <a:spcPct val="0"/>
               </a:spcBef>
               <a:spcAft>
                 <a:spcPct val="0"/>
               </a:spcAft>
-              <a:buClrTx/>
-              <a:buSzTx/>
-              <a:buFontTx/>
-              <a:buNone/>
-              <a:tabLst/>
             </a:pPr>
             <a:r>
-              <a:rPr kumimoji="0" lang="it-IT" altLang="en-US" sz="500" b="0" i="0" u="none" strike="noStrike" cap="none" normalizeH="0" baseline="0">
+              <a:rPr kumimoji="0" lang="it-IT" altLang="en-US" sz="600" b="0" i="0" u="none" strike="noStrike" cap="none" normalizeH="0" baseline="0" dirty="0" err="1">
                 <a:ln>
                   <a:noFill/>
                 </a:ln>
@@ -4015,10 +4072,10 @@
                 <a:ea typeface="MS Mincho" panose="02020609040205080304" pitchFamily="49" charset="-128"/>
                 <a:cs typeface="Times New Roman" panose="02020603050405020304" pitchFamily="18" charset="0"/>
               </a:rPr>
-              <a:t>é</a:t>
-            </a:r>
-            <a:r>
-              <a:rPr kumimoji="0" lang="it-IT" altLang="en-US" sz="600" b="0" i="0" u="none" strike="noStrike" cap="none" normalizeH="0" baseline="0">
+              <a:t>Document</a:t>
+            </a:r>
+            <a:r>
+              <a:rPr kumimoji="0" lang="it-IT" altLang="en-US" sz="600" b="0" i="0" u="none" strike="noStrike" cap="none" normalizeH="0" baseline="0" dirty="0">
                 <a:ln>
                   <a:noFill/>
                 </a:ln>
@@ -4030,9 +4087,69 @@
                 <a:ea typeface="MS Mincho" panose="02020609040205080304" pitchFamily="49" charset="-128"/>
                 <a:cs typeface="Times New Roman" panose="02020603050405020304" pitchFamily="18" charset="0"/>
               </a:rPr>
-              <a:t>Document Metadata Subscribe [ITI-52]</a:t>
-            </a:r>
-            <a:endParaRPr kumimoji="0" lang="it-IT" altLang="en-US" sz="1800" b="0" i="0" u="none" strike="noStrike" cap="none" normalizeH="0" baseline="0">
+              <a:t> </a:t>
+            </a:r>
+            <a:r>
+              <a:rPr kumimoji="0" lang="it-IT" altLang="en-US" sz="600" b="0" i="0" u="none" strike="noStrike" cap="none" normalizeH="0" baseline="0" dirty="0" err="1">
+                <a:ln>
+                  <a:noFill/>
+                </a:ln>
+                <a:solidFill>
+                  <a:schemeClr val="tx1"/>
+                </a:solidFill>
+                <a:effectLst/>
+                <a:latin typeface="Cambria" panose="02040503050406030204" pitchFamily="18" charset="0"/>
+                <a:ea typeface="MS Mincho" panose="02020609040205080304" pitchFamily="49" charset="-128"/>
+                <a:cs typeface="Times New Roman" panose="02020603050405020304" pitchFamily="18" charset="0"/>
+              </a:rPr>
+              <a:t>Metadata</a:t>
+            </a:r>
+            <a:r>
+              <a:rPr kumimoji="0" lang="it-IT" altLang="en-US" sz="600" b="0" i="0" u="none" strike="noStrike" cap="none" normalizeH="0" baseline="0" dirty="0">
+                <a:ln>
+                  <a:noFill/>
+                </a:ln>
+                <a:solidFill>
+                  <a:schemeClr val="tx1"/>
+                </a:solidFill>
+                <a:effectLst/>
+                <a:latin typeface="Cambria" panose="02040503050406030204" pitchFamily="18" charset="0"/>
+                <a:ea typeface="MS Mincho" panose="02020609040205080304" pitchFamily="49" charset="-128"/>
+                <a:cs typeface="Times New Roman" panose="02020603050405020304" pitchFamily="18" charset="0"/>
+              </a:rPr>
+              <a:t> </a:t>
+            </a:r>
+            <a:r>
+              <a:rPr kumimoji="0" lang="it-IT" altLang="en-US" sz="600" b="0" i="0" u="none" strike="noStrike" cap="none" normalizeH="0" baseline="0" dirty="0" err="1">
+                <a:ln>
+                  <a:noFill/>
+                </a:ln>
+                <a:solidFill>
+                  <a:schemeClr val="tx1"/>
+                </a:solidFill>
+                <a:effectLst/>
+                <a:latin typeface="Cambria" panose="02040503050406030204" pitchFamily="18" charset="0"/>
+                <a:ea typeface="MS Mincho" panose="02020609040205080304" pitchFamily="49" charset="-128"/>
+                <a:cs typeface="Times New Roman" panose="02020603050405020304" pitchFamily="18" charset="0"/>
+              </a:rPr>
+              <a:t>Subscribe</a:t>
+            </a:r>
+            <a:r>
+              <a:rPr kumimoji="0" lang="it-IT" altLang="en-US" sz="600" b="0" i="0" u="none" strike="noStrike" cap="none" normalizeH="0" baseline="0" dirty="0">
+                <a:ln>
+                  <a:noFill/>
+                </a:ln>
+                <a:solidFill>
+                  <a:schemeClr val="tx1"/>
+                </a:solidFill>
+                <a:effectLst/>
+                <a:latin typeface="Cambria" panose="02040503050406030204" pitchFamily="18" charset="0"/>
+                <a:ea typeface="MS Mincho" panose="02020609040205080304" pitchFamily="49" charset="-128"/>
+                <a:cs typeface="Times New Roman" panose="02020603050405020304" pitchFamily="18" charset="0"/>
+              </a:rPr>
+              <a:t> [ITI-52]</a:t>
+            </a:r>
+            <a:endParaRPr kumimoji="0" lang="it-IT" altLang="en-US" sz="1800" b="0" i="0" u="none" strike="noStrike" cap="none" normalizeH="0" baseline="0" dirty="0">
               <a:ln>
                 <a:noFill/>
               </a:ln>
@@ -4061,7 +4178,7 @@
         </p:nvSpPr>
         <p:spPr bwMode="auto">
           <a:xfrm>
-            <a:off x="2057400" y="1371600"/>
+            <a:off x="2821940" y="1737812"/>
             <a:ext cx="914400" cy="457200"/>
           </a:xfrm>
           <a:prstGeom prst="rect">
@@ -4116,22 +4233,7 @@
               <a:tabLst/>
             </a:pPr>
             <a:r>
-              <a:rPr kumimoji="0" lang="it-IT" altLang="en-US" sz="500" b="0" i="0" u="none" strike="noStrike" cap="none" normalizeH="0" baseline="0">
-                <a:ln>
-                  <a:noFill/>
-                </a:ln>
-                <a:solidFill>
-                  <a:srgbClr val="000000"/>
-                </a:solidFill>
-                <a:effectLst/>
-                <a:latin typeface="Cambria" panose="02040503050406030204" pitchFamily="18" charset="0"/>
-                <a:ea typeface="MS Mincho" panose="02020609040205080304" pitchFamily="49" charset="-128"/>
-                <a:cs typeface="Times New Roman" panose="02020603050405020304" pitchFamily="18" charset="0"/>
-              </a:rPr>
-              <a:t>è</a:t>
-            </a:r>
-            <a:r>
-              <a:rPr kumimoji="0" lang="it-IT" altLang="en-US" sz="600" b="0" i="0" u="none" strike="noStrike" cap="none" normalizeH="0" baseline="0">
+              <a:rPr kumimoji="0" lang="it-IT" altLang="en-US" sz="600" b="0" i="0" u="none" strike="noStrike" cap="none" normalizeH="0" baseline="0" dirty="0" err="1">
                 <a:ln>
                   <a:noFill/>
                 </a:ln>
@@ -4143,9 +4245,84 @@
                 <a:ea typeface="MS Mincho" panose="02020609040205080304" pitchFamily="49" charset="-128"/>
                 <a:cs typeface="Times New Roman" panose="02020603050405020304" pitchFamily="18" charset="0"/>
               </a:rPr>
-              <a:t>Document Metadata Notify [ITI-53]</a:t>
-            </a:r>
-            <a:endParaRPr kumimoji="0" lang="it-IT" altLang="en-US" sz="1800" b="0" i="0" u="none" strike="noStrike" cap="none" normalizeH="0" baseline="0">
+              <a:t>Document</a:t>
+            </a:r>
+            <a:r>
+              <a:rPr kumimoji="0" lang="it-IT" altLang="en-US" sz="600" b="0" i="0" u="none" strike="noStrike" cap="none" normalizeH="0" baseline="0" dirty="0">
+                <a:ln>
+                  <a:noFill/>
+                </a:ln>
+                <a:solidFill>
+                  <a:schemeClr val="tx1"/>
+                </a:solidFill>
+                <a:effectLst/>
+                <a:latin typeface="Cambria" panose="02040503050406030204" pitchFamily="18" charset="0"/>
+                <a:ea typeface="MS Mincho" panose="02020609040205080304" pitchFamily="49" charset="-128"/>
+                <a:cs typeface="Times New Roman" panose="02020603050405020304" pitchFamily="18" charset="0"/>
+              </a:rPr>
+              <a:t> </a:t>
+            </a:r>
+            <a:r>
+              <a:rPr kumimoji="0" lang="it-IT" altLang="en-US" sz="600" b="0" i="0" u="none" strike="noStrike" cap="none" normalizeH="0" baseline="0" dirty="0" err="1">
+                <a:ln>
+                  <a:noFill/>
+                </a:ln>
+                <a:solidFill>
+                  <a:schemeClr val="tx1"/>
+                </a:solidFill>
+                <a:effectLst/>
+                <a:latin typeface="Cambria" panose="02040503050406030204" pitchFamily="18" charset="0"/>
+                <a:ea typeface="MS Mincho" panose="02020609040205080304" pitchFamily="49" charset="-128"/>
+                <a:cs typeface="Times New Roman" panose="02020603050405020304" pitchFamily="18" charset="0"/>
+              </a:rPr>
+              <a:t>Metadata</a:t>
+            </a:r>
+            <a:r>
+              <a:rPr kumimoji="0" lang="it-IT" altLang="en-US" sz="600" b="0" i="0" u="none" strike="noStrike" cap="none" normalizeH="0" baseline="0" dirty="0">
+                <a:ln>
+                  <a:noFill/>
+                </a:ln>
+                <a:solidFill>
+                  <a:schemeClr val="tx1"/>
+                </a:solidFill>
+                <a:effectLst/>
+                <a:latin typeface="Cambria" panose="02040503050406030204" pitchFamily="18" charset="0"/>
+                <a:ea typeface="MS Mincho" panose="02020609040205080304" pitchFamily="49" charset="-128"/>
+                <a:cs typeface="Times New Roman" panose="02020603050405020304" pitchFamily="18" charset="0"/>
+              </a:rPr>
+              <a:t> </a:t>
+            </a:r>
+            <a:r>
+              <a:rPr kumimoji="0" lang="it-IT" altLang="en-US" sz="600" b="0" i="0" u="none" strike="noStrike" cap="none" normalizeH="0" baseline="0" dirty="0" err="1">
+                <a:ln>
+                  <a:noFill/>
+                </a:ln>
+                <a:solidFill>
+                  <a:schemeClr val="tx1"/>
+                </a:solidFill>
+                <a:effectLst/>
+                <a:latin typeface="Cambria" panose="02040503050406030204" pitchFamily="18" charset="0"/>
+                <a:ea typeface="MS Mincho" panose="02020609040205080304" pitchFamily="49" charset="-128"/>
+                <a:cs typeface="Times New Roman" panose="02020603050405020304" pitchFamily="18" charset="0"/>
+              </a:rPr>
+              <a:t>Notify</a:t>
+            </a:r>
+            <a:r>
+              <a:rPr kumimoji="0" lang="it-IT" altLang="en-US" sz="600" b="0" i="0" u="none" strike="noStrike" cap="none" normalizeH="0" baseline="0" dirty="0">
+                <a:ln>
+                  <a:noFill/>
+                </a:ln>
+                <a:solidFill>
+                  <a:schemeClr val="tx1"/>
+                </a:solidFill>
+                <a:effectLst/>
+                <a:latin typeface="Cambria" panose="02040503050406030204" pitchFamily="18" charset="0"/>
+                <a:ea typeface="MS Mincho" panose="02020609040205080304" pitchFamily="49" charset="-128"/>
+                <a:cs typeface="Times New Roman" panose="02020603050405020304" pitchFamily="18" charset="0"/>
+              </a:rPr>
+              <a:t> [ITI-53]</a:t>
+            </a:r>
+            <a:endParaRPr kumimoji="0" lang="it-IT" altLang="en-US" sz="1800" b="0" i="0" u="none" strike="noStrike" cap="none" normalizeH="0" baseline="0" dirty="0">
               <a:ln>
                 <a:noFill/>
               </a:ln>
@@ -4292,6 +4469,168 @@
           </a:bodyPr>
           <a:lstStyle/>
           <a:p>
+            <a:endParaRPr lang="en-US"/>
+          </a:p>
+        </p:txBody>
+      </p:sp>
+      <p:sp>
+        <p:nvSpPr>
+          <p:cNvPr id="2" name="Down Arrow 1">
+            <a:extLst>
+              <a:ext uri="{FF2B5EF4-FFF2-40B4-BE49-F238E27FC236}">
+                <a16:creationId xmlns:a16="http://schemas.microsoft.com/office/drawing/2014/main" id="{6B1A271F-53E3-9A45-B7C3-91EB45E6DBFD}"/>
+              </a:ext>
+            </a:extLst>
+          </p:cNvPr>
+          <p:cNvSpPr/>
+          <p:nvPr/>
+        </p:nvSpPr>
+        <p:spPr>
+          <a:xfrm>
+            <a:off x="2232659" y="1415751"/>
+            <a:ext cx="45719" cy="154897"/>
+          </a:xfrm>
+          <a:prstGeom prst="downArrow">
+            <a:avLst/>
+          </a:prstGeom>
+          <a:solidFill>
+            <a:schemeClr val="tx1"/>
+          </a:solidFill>
+          <a:ln>
+            <a:solidFill>
+              <a:schemeClr val="tx1"/>
+            </a:solidFill>
+          </a:ln>
+        </p:spPr>
+        <p:style>
+          <a:lnRef idx="2">
+            <a:schemeClr val="accent1">
+              <a:shade val="50000"/>
+            </a:schemeClr>
+          </a:lnRef>
+          <a:fillRef idx="1">
+            <a:schemeClr val="accent1"/>
+          </a:fillRef>
+          <a:effectRef idx="0">
+            <a:schemeClr val="accent1"/>
+          </a:effectRef>
+          <a:fontRef idx="minor">
+            <a:schemeClr val="lt1"/>
+          </a:fontRef>
+        </p:style>
+        <p:txBody>
+          <a:bodyPr rtlCol="0" anchor="ctr"/>
+          <a:lstStyle/>
+          <a:p>
+            <a:pPr algn="ctr"/>
+            <a:endParaRPr lang="en-US"/>
+          </a:p>
+        </p:txBody>
+      </p:sp>
+      <p:sp>
+        <p:nvSpPr>
+          <p:cNvPr id="16" name="Down Arrow 15">
+            <a:extLst>
+              <a:ext uri="{FF2B5EF4-FFF2-40B4-BE49-F238E27FC236}">
+                <a16:creationId xmlns:a16="http://schemas.microsoft.com/office/drawing/2014/main" id="{5C0754EF-8893-7642-95C5-21EEC2860F6C}"/>
+              </a:ext>
+            </a:extLst>
+          </p:cNvPr>
+          <p:cNvSpPr/>
+          <p:nvPr/>
+        </p:nvSpPr>
+        <p:spPr>
+          <a:xfrm rot="16200000">
+            <a:off x="3166124" y="1949149"/>
+            <a:ext cx="45719" cy="154897"/>
+          </a:xfrm>
+          <a:prstGeom prst="downArrow">
+            <a:avLst/>
+          </a:prstGeom>
+          <a:solidFill>
+            <a:schemeClr val="tx1"/>
+          </a:solidFill>
+          <a:ln>
+            <a:solidFill>
+              <a:schemeClr val="tx1"/>
+            </a:solidFill>
+          </a:ln>
+        </p:spPr>
+        <p:style>
+          <a:lnRef idx="2">
+            <a:schemeClr val="accent1">
+              <a:shade val="50000"/>
+            </a:schemeClr>
+          </a:lnRef>
+          <a:fillRef idx="1">
+            <a:schemeClr val="accent1"/>
+          </a:fillRef>
+          <a:effectRef idx="0">
+            <a:schemeClr val="accent1"/>
+          </a:effectRef>
+          <a:fontRef idx="minor">
+            <a:schemeClr val="lt1"/>
+          </a:fontRef>
+        </p:style>
+        <p:txBody>
+          <a:bodyPr rtlCol="0" anchor="ctr"/>
+          <a:lstStyle/>
+          <a:p>
+            <a:pPr algn="ctr"/>
+            <a:endParaRPr lang="en-US"/>
+          </a:p>
+        </p:txBody>
+      </p:sp>
+      <p:sp>
+        <p:nvSpPr>
+          <p:cNvPr id="17" name="Down Arrow 16">
+            <a:extLst>
+              <a:ext uri="{FF2B5EF4-FFF2-40B4-BE49-F238E27FC236}">
+                <a16:creationId xmlns:a16="http://schemas.microsoft.com/office/drawing/2014/main" id="{3301240F-C545-6240-AF8F-DB54C8C565E0}"/>
+              </a:ext>
+            </a:extLst>
+          </p:cNvPr>
+          <p:cNvSpPr/>
+          <p:nvPr/>
+        </p:nvSpPr>
+        <p:spPr>
+          <a:xfrm rot="10800000">
+            <a:off x="2242181" y="2615910"/>
+            <a:ext cx="45719" cy="154897"/>
+          </a:xfrm>
+          <a:prstGeom prst="downArrow">
+            <a:avLst/>
+          </a:prstGeom>
+          <a:solidFill>
+            <a:schemeClr val="tx1"/>
+          </a:solidFill>
+          <a:ln>
+            <a:solidFill>
+              <a:schemeClr val="tx1"/>
+            </a:solidFill>
+          </a:ln>
+        </p:spPr>
+        <p:style>
+          <a:lnRef idx="2">
+            <a:schemeClr val="accent1">
+              <a:shade val="50000"/>
+            </a:schemeClr>
+          </a:lnRef>
+          <a:fillRef idx="1">
+            <a:schemeClr val="accent1"/>
+          </a:fillRef>
+          <a:effectRef idx="0">
+            <a:schemeClr val="accent1"/>
+          </a:effectRef>
+          <a:fontRef idx="minor">
+            <a:schemeClr val="lt1"/>
+          </a:fontRef>
+        </p:style>
+        <p:txBody>
+          <a:bodyPr rtlCol="0" anchor="ctr"/>
+          <a:lstStyle/>
+          <a:p>
+            <a:pPr algn="ctr"/>
             <a:endParaRPr lang="en-US"/>
           </a:p>
         </p:txBody>
